--- a/slides/LLR24_Day1.pptx
+++ b/slides/LLR24_Day1.pptx
@@ -4,21 +4,23 @@
   <p:sldMasterIdLst>
     <p:sldMasterId id="2147483672" r:id="rId1"/>
   </p:sldMasterIdLst>
+  <p:notesMasterIdLst>
+    <p:notesMasterId r:id="rId15"/>
+  </p:notesMasterIdLst>
   <p:sldIdLst>
     <p:sldId id="256" r:id="rId2"/>
-    <p:sldId id="257" r:id="rId3"/>
-    <p:sldId id="258" r:id="rId4"/>
-    <p:sldId id="259" r:id="rId5"/>
-    <p:sldId id="260" r:id="rId6"/>
-    <p:sldId id="261" r:id="rId7"/>
-    <p:sldId id="270" r:id="rId8"/>
-    <p:sldId id="263" r:id="rId9"/>
-    <p:sldId id="264" r:id="rId10"/>
-    <p:sldId id="265" r:id="rId11"/>
-    <p:sldId id="266" r:id="rId12"/>
-    <p:sldId id="267" r:id="rId13"/>
-    <p:sldId id="268" r:id="rId14"/>
-    <p:sldId id="269" r:id="rId15"/>
+    <p:sldId id="258" r:id="rId3"/>
+    <p:sldId id="259" r:id="rId4"/>
+    <p:sldId id="260" r:id="rId5"/>
+    <p:sldId id="261" r:id="rId6"/>
+    <p:sldId id="270" r:id="rId7"/>
+    <p:sldId id="263" r:id="rId8"/>
+    <p:sldId id="264" r:id="rId9"/>
+    <p:sldId id="265" r:id="rId10"/>
+    <p:sldId id="266" r:id="rId11"/>
+    <p:sldId id="267" r:id="rId12"/>
+    <p:sldId id="268" r:id="rId13"/>
+    <p:sldId id="269" r:id="rId14"/>
   </p:sldIdLst>
   <p:sldSz cx="12192000" cy="6858000"/>
   <p:notesSz cx="6858000" cy="9144000"/>
@@ -125,6 +127,355 @@
 </p:presentation>
 </file>
 
+<file path=ppt/notesMasters/notesMaster1.xml><?xml version="1.0" encoding="utf-8"?>
+<p:notesMaster xmlns:a="http://schemas.openxmlformats.org/drawingml/2006/main" xmlns:r="http://schemas.openxmlformats.org/officeDocument/2006/relationships" xmlns:p="http://schemas.openxmlformats.org/presentationml/2006/main">
+  <p:cSld>
+    <p:bg>
+      <p:bgRef idx="1001">
+        <a:schemeClr val="bg1"/>
+      </p:bgRef>
+    </p:bg>
+    <p:spTree>
+      <p:nvGrpSpPr>
+        <p:cNvPr id="1" name=""/>
+        <p:cNvGrpSpPr/>
+        <p:nvPr/>
+      </p:nvGrpSpPr>
+      <p:grpSpPr>
+        <a:xfrm>
+          <a:off x="0" y="0"/>
+          <a:ext cx="0" cy="0"/>
+          <a:chOff x="0" y="0"/>
+          <a:chExt cx="0" cy="0"/>
+        </a:xfrm>
+      </p:grpSpPr>
+      <p:sp>
+        <p:nvSpPr>
+          <p:cNvPr id="2" name="Header Placeholder 1"/>
+          <p:cNvSpPr>
+            <a:spLocks noGrp="1"/>
+          </p:cNvSpPr>
+          <p:nvPr>
+            <p:ph type="hdr" sz="quarter"/>
+          </p:nvPr>
+        </p:nvSpPr>
+        <p:spPr>
+          <a:xfrm>
+            <a:off x="0" y="0"/>
+            <a:ext cx="2971800" cy="458788"/>
+          </a:xfrm>
+          <a:prstGeom prst="rect">
+            <a:avLst/>
+          </a:prstGeom>
+        </p:spPr>
+        <p:txBody>
+          <a:bodyPr vert="horz" lIns="91440" tIns="45720" rIns="91440" bIns="45720" rtlCol="0"/>
+          <a:lstStyle>
+            <a:lvl1pPr algn="l">
+              <a:defRPr sz="1200"/>
+            </a:lvl1pPr>
+          </a:lstStyle>
+          <a:p>
+            <a:endParaRPr lang="en-US"/>
+          </a:p>
+        </p:txBody>
+      </p:sp>
+      <p:sp>
+        <p:nvSpPr>
+          <p:cNvPr id="3" name="Date Placeholder 2"/>
+          <p:cNvSpPr>
+            <a:spLocks noGrp="1"/>
+          </p:cNvSpPr>
+          <p:nvPr>
+            <p:ph type="dt" idx="1"/>
+          </p:nvPr>
+        </p:nvSpPr>
+        <p:spPr>
+          <a:xfrm>
+            <a:off x="3884613" y="0"/>
+            <a:ext cx="2971800" cy="458788"/>
+          </a:xfrm>
+          <a:prstGeom prst="rect">
+            <a:avLst/>
+          </a:prstGeom>
+        </p:spPr>
+        <p:txBody>
+          <a:bodyPr vert="horz" lIns="91440" tIns="45720" rIns="91440" bIns="45720" rtlCol="0"/>
+          <a:lstStyle>
+            <a:lvl1pPr algn="r">
+              <a:defRPr sz="1200"/>
+            </a:lvl1pPr>
+          </a:lstStyle>
+          <a:p>
+            <a:fld id="{EF2B52A5-2943-4099-8A1F-8EF93C78E2D5}" type="datetimeFigureOut">
+              <a:rPr lang="en-US" smtClean="0"/>
+              <a:t>10/28/2024</a:t>
+            </a:fld>
+            <a:endParaRPr lang="en-US"/>
+          </a:p>
+        </p:txBody>
+      </p:sp>
+      <p:sp>
+        <p:nvSpPr>
+          <p:cNvPr id="4" name="Slide Image Placeholder 3"/>
+          <p:cNvSpPr>
+            <a:spLocks noGrp="1" noRot="1" noChangeAspect="1"/>
+          </p:cNvSpPr>
+          <p:nvPr>
+            <p:ph type="sldImg" idx="2"/>
+          </p:nvPr>
+        </p:nvSpPr>
+        <p:spPr>
+          <a:xfrm>
+            <a:off x="685800" y="1143000"/>
+            <a:ext cx="5486400" cy="3086100"/>
+          </a:xfrm>
+          <a:prstGeom prst="rect">
+            <a:avLst/>
+          </a:prstGeom>
+          <a:noFill/>
+          <a:ln w="12700">
+            <a:solidFill>
+              <a:prstClr val="black"/>
+            </a:solidFill>
+          </a:ln>
+        </p:spPr>
+        <p:txBody>
+          <a:bodyPr vert="horz" lIns="91440" tIns="45720" rIns="91440" bIns="45720" rtlCol="0" anchor="ctr"/>
+          <a:lstStyle/>
+          <a:p>
+            <a:endParaRPr lang="en-US"/>
+          </a:p>
+        </p:txBody>
+      </p:sp>
+      <p:sp>
+        <p:nvSpPr>
+          <p:cNvPr id="5" name="Notes Placeholder 4"/>
+          <p:cNvSpPr>
+            <a:spLocks noGrp="1"/>
+          </p:cNvSpPr>
+          <p:nvPr>
+            <p:ph type="body" sz="quarter" idx="3"/>
+          </p:nvPr>
+        </p:nvSpPr>
+        <p:spPr>
+          <a:xfrm>
+            <a:off x="685800" y="4400550"/>
+            <a:ext cx="5486400" cy="3600450"/>
+          </a:xfrm>
+          <a:prstGeom prst="rect">
+            <a:avLst/>
+          </a:prstGeom>
+        </p:spPr>
+        <p:txBody>
+          <a:bodyPr vert="horz" lIns="91440" tIns="45720" rIns="91440" bIns="45720" rtlCol="0"/>
+          <a:lstStyle/>
+          <a:p>
+            <a:pPr lvl="0"/>
+            <a:r>
+              <a:rPr lang="en-US"/>
+              <a:t>Click to edit Master text styles</a:t>
+            </a:r>
+          </a:p>
+          <a:p>
+            <a:pPr lvl="1"/>
+            <a:r>
+              <a:rPr lang="en-US"/>
+              <a:t>Second level</a:t>
+            </a:r>
+          </a:p>
+          <a:p>
+            <a:pPr lvl="2"/>
+            <a:r>
+              <a:rPr lang="en-US"/>
+              <a:t>Third level</a:t>
+            </a:r>
+          </a:p>
+          <a:p>
+            <a:pPr lvl="3"/>
+            <a:r>
+              <a:rPr lang="en-US"/>
+              <a:t>Fourth level</a:t>
+            </a:r>
+          </a:p>
+          <a:p>
+            <a:pPr lvl="4"/>
+            <a:r>
+              <a:rPr lang="en-US"/>
+              <a:t>Fifth level</a:t>
+            </a:r>
+          </a:p>
+        </p:txBody>
+      </p:sp>
+      <p:sp>
+        <p:nvSpPr>
+          <p:cNvPr id="6" name="Footer Placeholder 5"/>
+          <p:cNvSpPr>
+            <a:spLocks noGrp="1"/>
+          </p:cNvSpPr>
+          <p:nvPr>
+            <p:ph type="ftr" sz="quarter" idx="4"/>
+          </p:nvPr>
+        </p:nvSpPr>
+        <p:spPr>
+          <a:xfrm>
+            <a:off x="0" y="8685213"/>
+            <a:ext cx="2971800" cy="458787"/>
+          </a:xfrm>
+          <a:prstGeom prst="rect">
+            <a:avLst/>
+          </a:prstGeom>
+        </p:spPr>
+        <p:txBody>
+          <a:bodyPr vert="horz" lIns="91440" tIns="45720" rIns="91440" bIns="45720" rtlCol="0" anchor="b"/>
+          <a:lstStyle>
+            <a:lvl1pPr algn="l">
+              <a:defRPr sz="1200"/>
+            </a:lvl1pPr>
+          </a:lstStyle>
+          <a:p>
+            <a:endParaRPr lang="en-US"/>
+          </a:p>
+        </p:txBody>
+      </p:sp>
+      <p:sp>
+        <p:nvSpPr>
+          <p:cNvPr id="7" name="Slide Number Placeholder 6"/>
+          <p:cNvSpPr>
+            <a:spLocks noGrp="1"/>
+          </p:cNvSpPr>
+          <p:nvPr>
+            <p:ph type="sldNum" sz="quarter" idx="5"/>
+          </p:nvPr>
+        </p:nvSpPr>
+        <p:spPr>
+          <a:xfrm>
+            <a:off x="3884613" y="8685213"/>
+            <a:ext cx="2971800" cy="458787"/>
+          </a:xfrm>
+          <a:prstGeom prst="rect">
+            <a:avLst/>
+          </a:prstGeom>
+        </p:spPr>
+        <p:txBody>
+          <a:bodyPr vert="horz" lIns="91440" tIns="45720" rIns="91440" bIns="45720" rtlCol="0" anchor="b"/>
+          <a:lstStyle>
+            <a:lvl1pPr algn="r">
+              <a:defRPr sz="1200"/>
+            </a:lvl1pPr>
+          </a:lstStyle>
+          <a:p>
+            <a:fld id="{2FBDCA4C-A49D-44E3-9F31-3AE4AA67C7DF}" type="slidenum">
+              <a:rPr lang="en-US" smtClean="0"/>
+              <a:t>‹#›</a:t>
+            </a:fld>
+            <a:endParaRPr lang="en-US"/>
+          </a:p>
+        </p:txBody>
+      </p:sp>
+    </p:spTree>
+    <p:extLst>
+      <p:ext uri="{BB962C8B-B14F-4D97-AF65-F5344CB8AC3E}">
+        <p14:creationId xmlns:p14="http://schemas.microsoft.com/office/powerpoint/2010/main" val="1123673012"/>
+      </p:ext>
+    </p:extLst>
+  </p:cSld>
+  <p:clrMap bg1="lt1" tx1="dk1" bg2="lt2" tx2="dk2" accent1="accent1" accent2="accent2" accent3="accent3" accent4="accent4" accent5="accent5" accent6="accent6" hlink="hlink" folHlink="folHlink"/>
+  <p:notesStyle>
+    <a:lvl1pPr marL="0" algn="l" defTabSz="914400" rtl="0" eaLnBrk="1" latinLnBrk="0" hangingPunct="1">
+      <a:defRPr sz="1200" kern="1200">
+        <a:solidFill>
+          <a:schemeClr val="tx1"/>
+        </a:solidFill>
+        <a:latin typeface="+mn-lt"/>
+        <a:ea typeface="+mn-ea"/>
+        <a:cs typeface="+mn-cs"/>
+      </a:defRPr>
+    </a:lvl1pPr>
+    <a:lvl2pPr marL="457200" algn="l" defTabSz="914400" rtl="0" eaLnBrk="1" latinLnBrk="0" hangingPunct="1">
+      <a:defRPr sz="1200" kern="1200">
+        <a:solidFill>
+          <a:schemeClr val="tx1"/>
+        </a:solidFill>
+        <a:latin typeface="+mn-lt"/>
+        <a:ea typeface="+mn-ea"/>
+        <a:cs typeface="+mn-cs"/>
+      </a:defRPr>
+    </a:lvl2pPr>
+    <a:lvl3pPr marL="914400" algn="l" defTabSz="914400" rtl="0" eaLnBrk="1" latinLnBrk="0" hangingPunct="1">
+      <a:defRPr sz="1200" kern="1200">
+        <a:solidFill>
+          <a:schemeClr val="tx1"/>
+        </a:solidFill>
+        <a:latin typeface="+mn-lt"/>
+        <a:ea typeface="+mn-ea"/>
+        <a:cs typeface="+mn-cs"/>
+      </a:defRPr>
+    </a:lvl3pPr>
+    <a:lvl4pPr marL="1371600" algn="l" defTabSz="914400" rtl="0" eaLnBrk="1" latinLnBrk="0" hangingPunct="1">
+      <a:defRPr sz="1200" kern="1200">
+        <a:solidFill>
+          <a:schemeClr val="tx1"/>
+        </a:solidFill>
+        <a:latin typeface="+mn-lt"/>
+        <a:ea typeface="+mn-ea"/>
+        <a:cs typeface="+mn-cs"/>
+      </a:defRPr>
+    </a:lvl4pPr>
+    <a:lvl5pPr marL="1828800" algn="l" defTabSz="914400" rtl="0" eaLnBrk="1" latinLnBrk="0" hangingPunct="1">
+      <a:defRPr sz="1200" kern="1200">
+        <a:solidFill>
+          <a:schemeClr val="tx1"/>
+        </a:solidFill>
+        <a:latin typeface="+mn-lt"/>
+        <a:ea typeface="+mn-ea"/>
+        <a:cs typeface="+mn-cs"/>
+      </a:defRPr>
+    </a:lvl5pPr>
+    <a:lvl6pPr marL="2286000" algn="l" defTabSz="914400" rtl="0" eaLnBrk="1" latinLnBrk="0" hangingPunct="1">
+      <a:defRPr sz="1200" kern="1200">
+        <a:solidFill>
+          <a:schemeClr val="tx1"/>
+        </a:solidFill>
+        <a:latin typeface="+mn-lt"/>
+        <a:ea typeface="+mn-ea"/>
+        <a:cs typeface="+mn-cs"/>
+      </a:defRPr>
+    </a:lvl6pPr>
+    <a:lvl7pPr marL="2743200" algn="l" defTabSz="914400" rtl="0" eaLnBrk="1" latinLnBrk="0" hangingPunct="1">
+      <a:defRPr sz="1200" kern="1200">
+        <a:solidFill>
+          <a:schemeClr val="tx1"/>
+        </a:solidFill>
+        <a:latin typeface="+mn-lt"/>
+        <a:ea typeface="+mn-ea"/>
+        <a:cs typeface="+mn-cs"/>
+      </a:defRPr>
+    </a:lvl7pPr>
+    <a:lvl8pPr marL="3200400" algn="l" defTabSz="914400" rtl="0" eaLnBrk="1" latinLnBrk="0" hangingPunct="1">
+      <a:defRPr sz="1200" kern="1200">
+        <a:solidFill>
+          <a:schemeClr val="tx1"/>
+        </a:solidFill>
+        <a:latin typeface="+mn-lt"/>
+        <a:ea typeface="+mn-ea"/>
+        <a:cs typeface="+mn-cs"/>
+      </a:defRPr>
+    </a:lvl8pPr>
+    <a:lvl9pPr marL="3657600" algn="l" defTabSz="914400" rtl="0" eaLnBrk="1" latinLnBrk="0" hangingPunct="1">
+      <a:defRPr sz="1200" kern="1200">
+        <a:solidFill>
+          <a:schemeClr val="tx1"/>
+        </a:solidFill>
+        <a:latin typeface="+mn-lt"/>
+        <a:ea typeface="+mn-ea"/>
+        <a:cs typeface="+mn-cs"/>
+      </a:defRPr>
+    </a:lvl9pPr>
+  </p:notesStyle>
+</p:notesMaster>
+</file>
+
 <file path=ppt/slideLayouts/slideLayout1.xml><?xml version="1.0" encoding="utf-8"?>
 <p:sldLayout xmlns:a="http://schemas.openxmlformats.org/drawingml/2006/main" xmlns:r="http://schemas.openxmlformats.org/officeDocument/2006/relationships" xmlns:p="http://schemas.openxmlformats.org/presentationml/2006/main" type="title" preserve="1">
   <p:cSld name="Title Slide">
@@ -220,7 +571,7 @@
           <a:effectLst/>
           <a:extLst>
             <a:ext uri="{91240B29-F687-4f45-9708-019B960494DF}">
-              <a14:hiddenLine xmlns="" xmlns:a14="http://schemas.microsoft.com/office/drawing/2010/main" w="9525">
+              <a14:hiddenLine xmlns:a14="http://schemas.microsoft.com/office/drawing/2010/main" xmlns="" w="9525">
                 <a:solidFill>
                   <a:srgbClr val="000000"/>
                 </a:solidFill>
@@ -1742,7 +2093,7 @@
           <a:ln/>
           <a:extLst>
             <a:ext uri="{91240B29-F687-4f45-9708-019B960494DF}">
-              <a14:hiddenLine xmlns="" xmlns:a14="http://schemas.microsoft.com/office/drawing/2010/main" w="9525">
+              <a14:hiddenLine xmlns:a14="http://schemas.microsoft.com/office/drawing/2010/main" xmlns="" w="9525">
                 <a:solidFill>
                   <a:srgbClr val="000000"/>
                 </a:solidFill>
@@ -2017,7 +2368,7 @@
           <a:ln/>
           <a:extLst>
             <a:ext uri="{91240B29-F687-4f45-9708-019B960494DF}">
-              <a14:hiddenLine xmlns="" xmlns:a14="http://schemas.microsoft.com/office/drawing/2010/main" w="9525">
+              <a14:hiddenLine xmlns:a14="http://schemas.microsoft.com/office/drawing/2010/main" xmlns="" w="9525">
                 <a:solidFill>
                   <a:srgbClr val="000000"/>
                 </a:solidFill>
@@ -2300,7 +2651,7 @@
           <a:ln/>
           <a:extLst>
             <a:ext uri="{91240B29-F687-4f45-9708-019B960494DF}">
-              <a14:hiddenLine xmlns="" xmlns:a14="http://schemas.microsoft.com/office/drawing/2010/main" w="9525">
+              <a14:hiddenLine xmlns:a14="http://schemas.microsoft.com/office/drawing/2010/main" xmlns="" w="9525">
                 <a:solidFill>
                   <a:srgbClr val="000000"/>
                 </a:solidFill>
@@ -2926,7 +3277,7 @@
           <a:ln/>
           <a:extLst>
             <a:ext uri="{91240B29-F687-4f45-9708-019B960494DF}">
-              <a14:hiddenLine xmlns="" xmlns:a14="http://schemas.microsoft.com/office/drawing/2010/main" w="9525">
+              <a14:hiddenLine xmlns:a14="http://schemas.microsoft.com/office/drawing/2010/main" xmlns="" w="9525">
                 <a:solidFill>
                   <a:srgbClr val="000000"/>
                 </a:solidFill>
@@ -3265,7 +3616,7 @@
           <a:ln/>
           <a:extLst>
             <a:ext uri="{91240B29-F687-4f45-9708-019B960494DF}">
-              <a14:hiddenLine xmlns="" xmlns:a14="http://schemas.microsoft.com/office/drawing/2010/main" w="9525">
+              <a14:hiddenLine xmlns:a14="http://schemas.microsoft.com/office/drawing/2010/main" xmlns="" w="9525">
                 <a:solidFill>
                   <a:srgbClr val="000000"/>
                 </a:solidFill>
@@ -3742,7 +4093,7 @@
           <a:ln/>
           <a:extLst>
             <a:ext uri="{91240B29-F687-4f45-9708-019B960494DF}">
-              <a14:hiddenLine xmlns="" xmlns:a14="http://schemas.microsoft.com/office/drawing/2010/main" w="9525">
+              <a14:hiddenLine xmlns:a14="http://schemas.microsoft.com/office/drawing/2010/main" xmlns="" w="9525">
                 <a:solidFill>
                   <a:srgbClr val="000000"/>
                 </a:solidFill>
@@ -4171,7 +4522,7 @@
           <a:ln/>
           <a:extLst>
             <a:ext uri="{91240B29-F687-4f45-9708-019B960494DF}">
-              <a14:hiddenLine xmlns="" xmlns:a14="http://schemas.microsoft.com/office/drawing/2010/main" w="9525">
+              <a14:hiddenLine xmlns:a14="http://schemas.microsoft.com/office/drawing/2010/main" xmlns="" w="9525">
                 <a:solidFill>
                   <a:srgbClr val="000000"/>
                 </a:solidFill>
@@ -5521,208 +5872,6 @@
           <a:chExt cx="0" cy="0"/>
         </a:xfrm>
       </p:grpSpPr>
-      <p:pic>
-        <p:nvPicPr>
-          <p:cNvPr id="5122" name="Picture 2" descr="RStudio | DigitalOcean Marketplace 1-Click App">
-            <a:extLst>
-              <a:ext uri="{FF2B5EF4-FFF2-40B4-BE49-F238E27FC236}">
-                <a16:creationId xmlns:a16="http://schemas.microsoft.com/office/drawing/2014/main" id="{4258FB78-820E-3173-33C9-F44A4E40C25A}"/>
-              </a:ext>
-            </a:extLst>
-          </p:cNvPr>
-          <p:cNvPicPr>
-            <a:picLocks noChangeAspect="1" noChangeArrowheads="1"/>
-          </p:cNvPicPr>
-          <p:nvPr/>
-        </p:nvPicPr>
-        <p:blipFill>
-          <a:blip r:embed="rId2">
-            <a:extLst>
-              <a:ext uri="{28A0092B-C50C-407E-A947-70E740481C1C}">
-                <a14:useLocalDpi xmlns:a14="http://schemas.microsoft.com/office/drawing/2010/main" val="0"/>
-              </a:ext>
-            </a:extLst>
-          </a:blip>
-          <a:srcRect/>
-          <a:stretch>
-            <a:fillRect/>
-          </a:stretch>
-        </p:blipFill>
-        <p:spPr bwMode="auto">
-          <a:xfrm>
-            <a:off x="8459035" y="2828041"/>
-            <a:ext cx="2914252" cy="2938708"/>
-          </a:xfrm>
-          <a:prstGeom prst="rect">
-            <a:avLst/>
-          </a:prstGeom>
-          <a:noFill/>
-          <a:extLst>
-            <a:ext uri="{909E8E84-426E-40DD-AFC4-6F175D3DCCD1}">
-              <a14:hiddenFill xmlns:a14="http://schemas.microsoft.com/office/drawing/2010/main">
-                <a:solidFill>
-                  <a:srgbClr val="FFFFFF"/>
-                </a:solidFill>
-              </a14:hiddenFill>
-            </a:ext>
-          </a:extLst>
-        </p:spPr>
-      </p:pic>
-      <p:sp>
-        <p:nvSpPr>
-          <p:cNvPr id="2" name="Title 1">
-            <a:extLst>
-              <a:ext uri="{FF2B5EF4-FFF2-40B4-BE49-F238E27FC236}">
-                <a16:creationId xmlns:a16="http://schemas.microsoft.com/office/drawing/2014/main" id="{F625DD6D-63BE-449E-7910-B84CE3F677BE}"/>
-              </a:ext>
-            </a:extLst>
-          </p:cNvPr>
-          <p:cNvSpPr>
-            <a:spLocks noGrp="1"/>
-          </p:cNvSpPr>
-          <p:nvPr>
-            <p:ph type="title"/>
-          </p:nvPr>
-        </p:nvSpPr>
-        <p:spPr>
-          <a:xfrm>
-            <a:off x="810000" y="447188"/>
-            <a:ext cx="10571998" cy="970450"/>
-          </a:xfrm>
-        </p:spPr>
-        <p:txBody>
-          <a:bodyPr>
-            <a:normAutofit/>
-          </a:bodyPr>
-          <a:lstStyle/>
-          <a:p>
-            <a:r>
-              <a:rPr lang="en-US" dirty="0"/>
-              <a:t>R and RStudio</a:t>
-            </a:r>
-          </a:p>
-        </p:txBody>
-      </p:sp>
-      <p:sp>
-        <p:nvSpPr>
-          <p:cNvPr id="3" name="Content Placeholder 2">
-            <a:extLst>
-              <a:ext uri="{FF2B5EF4-FFF2-40B4-BE49-F238E27FC236}">
-                <a16:creationId xmlns:a16="http://schemas.microsoft.com/office/drawing/2014/main" id="{9B4E437D-FCA7-7B80-8DA4-C04B07E9E7B9}"/>
-              </a:ext>
-            </a:extLst>
-          </p:cNvPr>
-          <p:cNvSpPr>
-            <a:spLocks noGrp="1"/>
-          </p:cNvSpPr>
-          <p:nvPr>
-            <p:ph idx="1"/>
-          </p:nvPr>
-        </p:nvSpPr>
-        <p:spPr>
-          <a:xfrm>
-            <a:off x="818713" y="2413000"/>
-            <a:ext cx="7199220" cy="3632200"/>
-          </a:xfrm>
-        </p:spPr>
-        <p:txBody>
-          <a:bodyPr>
-            <a:normAutofit lnSpcReduction="10000"/>
-          </a:bodyPr>
-          <a:lstStyle/>
-          <a:p>
-            <a:endParaRPr lang="en-US" dirty="0"/>
-          </a:p>
-          <a:p>
-            <a:r>
-              <a:rPr lang="en-US" dirty="0" err="1"/>
-              <a:t>Rstudio</a:t>
-            </a:r>
-            <a:endParaRPr lang="en-US" dirty="0"/>
-          </a:p>
-          <a:p>
-            <a:pPr lvl="1"/>
-            <a:r>
-              <a:rPr lang="en-US" dirty="0"/>
-              <a:t>Development environment for R</a:t>
-            </a:r>
-          </a:p>
-          <a:p>
-            <a:pPr lvl="1"/>
-            <a:r>
-              <a:rPr lang="en-US" dirty="0"/>
-              <a:t>This is the most common environment for using R</a:t>
-            </a:r>
-          </a:p>
-          <a:p>
-            <a:pPr lvl="1"/>
-            <a:endParaRPr lang="en-US" dirty="0"/>
-          </a:p>
-          <a:p>
-            <a:r>
-              <a:rPr lang="en-US" dirty="0"/>
-              <a:t>We will use this to write, manage, run, and interpret our R code</a:t>
-            </a:r>
-          </a:p>
-          <a:p>
-            <a:endParaRPr lang="en-US" dirty="0"/>
-          </a:p>
-          <a:p>
-            <a:r>
-              <a:rPr lang="en-US" dirty="0"/>
-              <a:t>If you’re already familiar with an R compatible IDE (e.g., VS Code) feel free to use it</a:t>
-            </a:r>
-          </a:p>
-          <a:p>
-            <a:endParaRPr lang="en-US" dirty="0"/>
-          </a:p>
-          <a:p>
-            <a:pPr lvl="1"/>
-            <a:endParaRPr lang="en-US" dirty="0"/>
-          </a:p>
-          <a:p>
-            <a:endParaRPr lang="en-US" dirty="0"/>
-          </a:p>
-        </p:txBody>
-      </p:sp>
-    </p:spTree>
-    <p:extLst>
-      <p:ext uri="{BB962C8B-B14F-4D97-AF65-F5344CB8AC3E}">
-        <p14:creationId xmlns:p14="http://schemas.microsoft.com/office/powerpoint/2010/main" val="4068023223"/>
-      </p:ext>
-    </p:extLst>
-  </p:cSld>
-  <p:clrMapOvr>
-    <a:masterClrMapping/>
-  </p:clrMapOvr>
-</p:sld>
-</file>
-
-<file path=ppt/slides/slide11.xml><?xml version="1.0" encoding="utf-8"?>
-<p:sld xmlns:a="http://schemas.openxmlformats.org/drawingml/2006/main" xmlns:r="http://schemas.openxmlformats.org/officeDocument/2006/relationships" xmlns:p="http://schemas.openxmlformats.org/presentationml/2006/main">
-  <p:cSld>
-    <p:bg>
-      <p:bgPr>
-        <a:solidFill>
-          <a:schemeClr val="bg2"/>
-        </a:solidFill>
-        <a:effectLst/>
-      </p:bgPr>
-    </p:bg>
-    <p:spTree>
-      <p:nvGrpSpPr>
-        <p:cNvPr id="1" name=""/>
-        <p:cNvGrpSpPr/>
-        <p:nvPr/>
-      </p:nvGrpSpPr>
-      <p:grpSpPr>
-        <a:xfrm>
-          <a:off x="0" y="0"/>
-          <a:ext cx="0" cy="0"/>
-          <a:chOff x="0" y="0"/>
-          <a:chExt cx="0" cy="0"/>
-        </a:xfrm>
-      </p:grpSpPr>
       <p:sp useBgFill="1">
         <p:nvSpPr>
           <p:cNvPr id="8" name="Rectangle 7">
@@ -5996,7 +6145,7 @@
           <a:effectLst/>
           <a:extLst>
             <a:ext uri="{91240B29-F687-4f45-9708-019B960494DF}">
-              <a14:hiddenLine xmlns:a16="http://schemas.microsoft.com/office/drawing/2014/main" xmlns:p14="http://schemas.microsoft.com/office/powerpoint/2010/main" xmlns:a14="http://schemas.microsoft.com/office/drawing/2010/main" xmlns="" w="9525">
+              <a14:hiddenLine xmlns="" xmlns:a14="http://schemas.microsoft.com/office/drawing/2010/main" xmlns:p14="http://schemas.microsoft.com/office/powerpoint/2010/main" xmlns:a16="http://schemas.microsoft.com/office/drawing/2014/main" w="9525">
                 <a:solidFill>
                   <a:srgbClr val="000000"/>
                 </a:solidFill>
@@ -6152,7 +6301,7 @@
 </p:sld>
 </file>
 
-<file path=ppt/slides/slide12.xml><?xml version="1.0" encoding="utf-8"?>
+<file path=ppt/slides/slide11.xml><?xml version="1.0" encoding="utf-8"?>
 <p:sld xmlns:a="http://schemas.openxmlformats.org/drawingml/2006/main" xmlns:r="http://schemas.openxmlformats.org/officeDocument/2006/relationships" xmlns:p="http://schemas.openxmlformats.org/presentationml/2006/main">
   <p:cSld>
     <p:bg>
@@ -6450,7 +6599,7 @@
           <a:effectLst/>
           <a:extLst>
             <a:ext uri="{91240B29-F687-4f45-9708-019B960494DF}">
-              <a14:hiddenLine xmlns:a16="http://schemas.microsoft.com/office/drawing/2014/main" xmlns:p14="http://schemas.microsoft.com/office/powerpoint/2010/main" xmlns:a14="http://schemas.microsoft.com/office/drawing/2010/main" xmlns="" w="9525">
+              <a14:hiddenLine xmlns="" xmlns:a14="http://schemas.microsoft.com/office/drawing/2010/main" xmlns:p14="http://schemas.microsoft.com/office/powerpoint/2010/main" xmlns:a16="http://schemas.microsoft.com/office/drawing/2014/main" w="9525">
                 <a:solidFill>
                   <a:srgbClr val="000000"/>
                 </a:solidFill>
@@ -6591,6 +6740,114 @@
     <p:extLst>
       <p:ext uri="{BB962C8B-B14F-4D97-AF65-F5344CB8AC3E}">
         <p14:creationId xmlns:p14="http://schemas.microsoft.com/office/powerpoint/2010/main" val="1821532705"/>
+      </p:ext>
+    </p:extLst>
+  </p:cSld>
+  <p:clrMapOvr>
+    <a:masterClrMapping/>
+  </p:clrMapOvr>
+</p:sld>
+</file>
+
+<file path=ppt/slides/slide12.xml><?xml version="1.0" encoding="utf-8"?>
+<p:sld xmlns:a="http://schemas.openxmlformats.org/drawingml/2006/main" xmlns:r="http://schemas.openxmlformats.org/officeDocument/2006/relationships" xmlns:p="http://schemas.openxmlformats.org/presentationml/2006/main">
+  <p:cSld>
+    <p:spTree>
+      <p:nvGrpSpPr>
+        <p:cNvPr id="1" name=""/>
+        <p:cNvGrpSpPr/>
+        <p:nvPr/>
+      </p:nvGrpSpPr>
+      <p:grpSpPr>
+        <a:xfrm>
+          <a:off x="0" y="0"/>
+          <a:ext cx="0" cy="0"/>
+          <a:chOff x="0" y="0"/>
+          <a:chExt cx="0" cy="0"/>
+        </a:xfrm>
+      </p:grpSpPr>
+      <p:sp>
+        <p:nvSpPr>
+          <p:cNvPr id="2" name="Title 1">
+            <a:extLst>
+              <a:ext uri="{FF2B5EF4-FFF2-40B4-BE49-F238E27FC236}">
+                <a16:creationId xmlns:a16="http://schemas.microsoft.com/office/drawing/2014/main" id="{75BEA4FB-26F5-5188-A3B0-600A63E34C65}"/>
+              </a:ext>
+            </a:extLst>
+          </p:cNvPr>
+          <p:cNvSpPr>
+            <a:spLocks noGrp="1"/>
+          </p:cNvSpPr>
+          <p:nvPr>
+            <p:ph type="title"/>
+          </p:nvPr>
+        </p:nvSpPr>
+        <p:spPr/>
+        <p:txBody>
+          <a:bodyPr/>
+          <a:lstStyle/>
+          <a:p>
+            <a:r>
+              <a:rPr lang="en-US" dirty="0"/>
+              <a:t>What to read for next class</a:t>
+            </a:r>
+          </a:p>
+        </p:txBody>
+      </p:sp>
+      <p:sp>
+        <p:nvSpPr>
+          <p:cNvPr id="3" name="Content Placeholder 2">
+            <a:extLst>
+              <a:ext uri="{FF2B5EF4-FFF2-40B4-BE49-F238E27FC236}">
+                <a16:creationId xmlns:a16="http://schemas.microsoft.com/office/drawing/2014/main" id="{6993FAC9-6870-150A-E383-88DA1DE566BE}"/>
+              </a:ext>
+            </a:extLst>
+          </p:cNvPr>
+          <p:cNvSpPr>
+            <a:spLocks noGrp="1"/>
+          </p:cNvSpPr>
+          <p:nvPr>
+            <p:ph idx="1"/>
+          </p:nvPr>
+        </p:nvSpPr>
+        <p:spPr/>
+        <p:txBody>
+          <a:bodyPr/>
+          <a:lstStyle/>
+          <a:p>
+            <a:r>
+              <a:rPr lang="en-US" dirty="0"/>
+              <a:t>The next class will be an introduction to prediction in the brain and in language</a:t>
+            </a:r>
+          </a:p>
+          <a:p>
+            <a:endParaRPr lang="en-US" dirty="0"/>
+          </a:p>
+          <a:p>
+            <a:endParaRPr lang="en-US" dirty="0"/>
+          </a:p>
+          <a:p>
+            <a:r>
+              <a:rPr lang="en-US" dirty="0"/>
+              <a:t>Please read the introductory material before we meet</a:t>
+            </a:r>
+          </a:p>
+          <a:p>
+            <a:pPr lvl="1"/>
+            <a:r>
+              <a:rPr lang="en-US" dirty="0"/>
+              <a:t>Intro chapters folder, intro 1 and 2</a:t>
+            </a:r>
+          </a:p>
+          <a:p>
+            <a:endParaRPr lang="en-US" dirty="0"/>
+          </a:p>
+        </p:txBody>
+      </p:sp>
+    </p:spTree>
+    <p:extLst>
+      <p:ext uri="{BB962C8B-B14F-4D97-AF65-F5344CB8AC3E}">
+        <p14:creationId xmlns:p14="http://schemas.microsoft.com/office/powerpoint/2010/main" val="411873892"/>
       </p:ext>
     </p:extLst>
   </p:cSld>
@@ -6622,114 +6879,6 @@
           <p:cNvPr id="2" name="Title 1">
             <a:extLst>
               <a:ext uri="{FF2B5EF4-FFF2-40B4-BE49-F238E27FC236}">
-                <a16:creationId xmlns:a16="http://schemas.microsoft.com/office/drawing/2014/main" id="{75BEA4FB-26F5-5188-A3B0-600A63E34C65}"/>
-              </a:ext>
-            </a:extLst>
-          </p:cNvPr>
-          <p:cNvSpPr>
-            <a:spLocks noGrp="1"/>
-          </p:cNvSpPr>
-          <p:nvPr>
-            <p:ph type="title"/>
-          </p:nvPr>
-        </p:nvSpPr>
-        <p:spPr/>
-        <p:txBody>
-          <a:bodyPr/>
-          <a:lstStyle/>
-          <a:p>
-            <a:r>
-              <a:rPr lang="en-US" dirty="0"/>
-              <a:t>What to read for next class</a:t>
-            </a:r>
-          </a:p>
-        </p:txBody>
-      </p:sp>
-      <p:sp>
-        <p:nvSpPr>
-          <p:cNvPr id="3" name="Content Placeholder 2">
-            <a:extLst>
-              <a:ext uri="{FF2B5EF4-FFF2-40B4-BE49-F238E27FC236}">
-                <a16:creationId xmlns:a16="http://schemas.microsoft.com/office/drawing/2014/main" id="{6993FAC9-6870-150A-E383-88DA1DE566BE}"/>
-              </a:ext>
-            </a:extLst>
-          </p:cNvPr>
-          <p:cNvSpPr>
-            <a:spLocks noGrp="1"/>
-          </p:cNvSpPr>
-          <p:nvPr>
-            <p:ph idx="1"/>
-          </p:nvPr>
-        </p:nvSpPr>
-        <p:spPr/>
-        <p:txBody>
-          <a:bodyPr/>
-          <a:lstStyle/>
-          <a:p>
-            <a:r>
-              <a:rPr lang="en-US" dirty="0"/>
-              <a:t>The next class will be an introduction to prediction in the brain and in language</a:t>
-            </a:r>
-          </a:p>
-          <a:p>
-            <a:endParaRPr lang="en-US" dirty="0"/>
-          </a:p>
-          <a:p>
-            <a:endParaRPr lang="en-US" dirty="0"/>
-          </a:p>
-          <a:p>
-            <a:r>
-              <a:rPr lang="en-US" dirty="0"/>
-              <a:t>Please read the introductory material before we meet</a:t>
-            </a:r>
-          </a:p>
-          <a:p>
-            <a:pPr lvl="1"/>
-            <a:r>
-              <a:rPr lang="en-US" dirty="0"/>
-              <a:t>Intro chapters folder, intro 1 and 2</a:t>
-            </a:r>
-          </a:p>
-          <a:p>
-            <a:endParaRPr lang="en-US" dirty="0"/>
-          </a:p>
-        </p:txBody>
-      </p:sp>
-    </p:spTree>
-    <p:extLst>
-      <p:ext uri="{BB962C8B-B14F-4D97-AF65-F5344CB8AC3E}">
-        <p14:creationId xmlns:p14="http://schemas.microsoft.com/office/powerpoint/2010/main" val="411873892"/>
-      </p:ext>
-    </p:extLst>
-  </p:cSld>
-  <p:clrMapOvr>
-    <a:masterClrMapping/>
-  </p:clrMapOvr>
-</p:sld>
-</file>
-
-<file path=ppt/slides/slide14.xml><?xml version="1.0" encoding="utf-8"?>
-<p:sld xmlns:a="http://schemas.openxmlformats.org/drawingml/2006/main" xmlns:r="http://schemas.openxmlformats.org/officeDocument/2006/relationships" xmlns:p="http://schemas.openxmlformats.org/presentationml/2006/main">
-  <p:cSld>
-    <p:spTree>
-      <p:nvGrpSpPr>
-        <p:cNvPr id="1" name=""/>
-        <p:cNvGrpSpPr/>
-        <p:nvPr/>
-      </p:nvGrpSpPr>
-      <p:grpSpPr>
-        <a:xfrm>
-          <a:off x="0" y="0"/>
-          <a:ext cx="0" cy="0"/>
-          <a:chOff x="0" y="0"/>
-          <a:chExt cx="0" cy="0"/>
-        </a:xfrm>
-      </p:grpSpPr>
-      <p:sp>
-        <p:nvSpPr>
-          <p:cNvPr id="2" name="Title 1">
-            <a:extLst>
-              <a:ext uri="{FF2B5EF4-FFF2-40B4-BE49-F238E27FC236}">
                 <a16:creationId xmlns:a16="http://schemas.microsoft.com/office/drawing/2014/main" id="{BBD6F89D-B4E2-0ACA-5704-B2DE28EBDEF0}"/>
               </a:ext>
             </a:extLst>
@@ -6748,7 +6897,7 @@
           <a:p>
             <a:r>
               <a:rPr lang="en-US" dirty="0"/>
-              <a:t>Homework: Paper Discussions</a:t>
+              <a:t>Before we meet:</a:t>
             </a:r>
           </a:p>
         </p:txBody>
@@ -6776,55 +6925,41 @@
           <a:p>
             <a:r>
               <a:rPr lang="en-US" dirty="0"/>
-              <a:t>Choose one of the papers from the list</a:t>
-            </a:r>
-          </a:p>
-          <a:p>
+              <a:t>Install Git</a:t>
+            </a:r>
+          </a:p>
+          <a:p>
+            <a:r>
+              <a:rPr lang="en-US" dirty="0"/>
+              <a:t>Create a GitHub account</a:t>
+            </a:r>
+          </a:p>
+          <a:p>
+            <a:r>
+              <a:rPr lang="en-US" dirty="0"/>
+              <a:t>Send me the email for your GitHub account to be made a collaborator on the repository</a:t>
+            </a:r>
+          </a:p>
+          <a:p>
+            <a:pPr lvl="1"/>
+            <a:r>
+              <a:rPr lang="en-US" dirty="0"/>
+              <a:t>This allows you to add your own files</a:t>
+            </a:r>
+          </a:p>
+          <a:p>
+            <a:r>
+              <a:rPr lang="en-US" dirty="0"/>
+              <a:t>Clone </a:t>
+            </a:r>
+            <a:r>
+              <a:rPr lang="en-US"/>
+              <a:t>the repository</a:t>
+            </a:r>
             <a:endParaRPr lang="en-US" dirty="0"/>
           </a:p>
           <a:p>
-            <a:r>
-              <a:rPr lang="en-US" dirty="0"/>
-              <a:t>You’ll have to prepare a short discussion (~10 minutes) about the paper that you’ll present on 22</a:t>
-            </a:r>
-            <a:r>
-              <a:rPr lang="en-US" baseline="30000" dirty="0"/>
-              <a:t>nd</a:t>
-            </a:r>
-            <a:r>
-              <a:rPr lang="en-US" dirty="0"/>
-              <a:t> November.</a:t>
-            </a:r>
-          </a:p>
-          <a:p>
             <a:endParaRPr lang="en-US" dirty="0"/>
-          </a:p>
-          <a:p>
-            <a:r>
-              <a:rPr lang="en-US" dirty="0"/>
-              <a:t>Git exercise:</a:t>
-            </a:r>
-          </a:p>
-          <a:p>
-            <a:pPr lvl="1"/>
-            <a:r>
-              <a:rPr lang="en-US" dirty="0"/>
-              <a:t>Create a folder with your name</a:t>
-            </a:r>
-          </a:p>
-          <a:p>
-            <a:pPr lvl="1"/>
-            <a:r>
-              <a:rPr lang="en-US" dirty="0"/>
-              <a:t>Put the paper you choose in that folder</a:t>
-            </a:r>
-          </a:p>
-          <a:p>
-            <a:pPr lvl="1"/>
-            <a:r>
-              <a:rPr lang="en-US" dirty="0"/>
-              <a:t>Push these changes to the repository</a:t>
-            </a:r>
           </a:p>
         </p:txBody>
       </p:sp>
@@ -6863,114 +6998,6 @@
           <p:cNvPr id="2" name="Title 1">
             <a:extLst>
               <a:ext uri="{FF2B5EF4-FFF2-40B4-BE49-F238E27FC236}">
-                <a16:creationId xmlns:a16="http://schemas.microsoft.com/office/drawing/2014/main" id="{E21EE23F-28F3-7E20-EC51-469F9D29B9CA}"/>
-              </a:ext>
-            </a:extLst>
-          </p:cNvPr>
-          <p:cNvSpPr>
-            <a:spLocks noGrp="1"/>
-          </p:cNvSpPr>
-          <p:nvPr>
-            <p:ph type="title"/>
-          </p:nvPr>
-        </p:nvSpPr>
-        <p:spPr/>
-        <p:txBody>
-          <a:bodyPr/>
-          <a:lstStyle/>
-          <a:p>
-            <a:r>
-              <a:rPr lang="en-US" dirty="0"/>
-              <a:t>Overview until the end of the year</a:t>
-            </a:r>
-          </a:p>
-        </p:txBody>
-      </p:sp>
-      <p:sp>
-        <p:nvSpPr>
-          <p:cNvPr id="3" name="Content Placeholder 2">
-            <a:extLst>
-              <a:ext uri="{FF2B5EF4-FFF2-40B4-BE49-F238E27FC236}">
-                <a16:creationId xmlns:a16="http://schemas.microsoft.com/office/drawing/2014/main" id="{CB339AD7-55FC-C7C8-6856-1C3E0D25588E}"/>
-              </a:ext>
-            </a:extLst>
-          </p:cNvPr>
-          <p:cNvSpPr>
-            <a:spLocks noGrp="1"/>
-          </p:cNvSpPr>
-          <p:nvPr>
-            <p:ph idx="1"/>
-          </p:nvPr>
-        </p:nvSpPr>
-        <p:spPr/>
-        <p:txBody>
-          <a:bodyPr/>
-          <a:lstStyle/>
-          <a:p>
-            <a:r>
-              <a:rPr lang="en-US" dirty="0"/>
-              <a:t>November 1</a:t>
-            </a:r>
-            <a:r>
-              <a:rPr lang="en-US" baseline="30000" dirty="0"/>
-              <a:t>st</a:t>
-            </a:r>
-            <a:r>
-              <a:rPr lang="en-US" dirty="0"/>
-              <a:t>: Intro, Installations, Logistics</a:t>
-            </a:r>
-          </a:p>
-          <a:p>
-            <a:r>
-              <a:rPr lang="en-US" dirty="0"/>
-              <a:t>November 8</a:t>
-            </a:r>
-            <a:r>
-              <a:rPr lang="en-US" baseline="30000" dirty="0"/>
-              <a:t>th</a:t>
-            </a:r>
-            <a:r>
-              <a:rPr lang="en-US" dirty="0"/>
-              <a:t>: Literature Discussion – Prediction, Visual World Paradigm</a:t>
-            </a:r>
-          </a:p>
-        </p:txBody>
-      </p:sp>
-    </p:spTree>
-    <p:extLst>
-      <p:ext uri="{BB962C8B-B14F-4D97-AF65-F5344CB8AC3E}">
-        <p14:creationId xmlns:p14="http://schemas.microsoft.com/office/powerpoint/2010/main" val="2343423724"/>
-      </p:ext>
-    </p:extLst>
-  </p:cSld>
-  <p:clrMapOvr>
-    <a:masterClrMapping/>
-  </p:clrMapOvr>
-</p:sld>
-</file>
-
-<file path=ppt/slides/slide3.xml><?xml version="1.0" encoding="utf-8"?>
-<p:sld xmlns:a="http://schemas.openxmlformats.org/drawingml/2006/main" xmlns:r="http://schemas.openxmlformats.org/officeDocument/2006/relationships" xmlns:p="http://schemas.openxmlformats.org/presentationml/2006/main">
-  <p:cSld>
-    <p:spTree>
-      <p:nvGrpSpPr>
-        <p:cNvPr id="1" name=""/>
-        <p:cNvGrpSpPr/>
-        <p:nvPr/>
-      </p:nvGrpSpPr>
-      <p:grpSpPr>
-        <a:xfrm>
-          <a:off x="0" y="0"/>
-          <a:ext cx="0" cy="0"/>
-          <a:chOff x="0" y="0"/>
-          <a:chExt cx="0" cy="0"/>
-        </a:xfrm>
-      </p:grpSpPr>
-      <p:sp>
-        <p:nvSpPr>
-          <p:cNvPr id="2" name="Title 1">
-            <a:extLst>
-              <a:ext uri="{FF2B5EF4-FFF2-40B4-BE49-F238E27FC236}">
                 <a16:creationId xmlns:a16="http://schemas.microsoft.com/office/drawing/2014/main" id="{941AD712-739C-A933-BB2B-7A552DD8A5C3}"/>
               </a:ext>
             </a:extLst>
@@ -7041,6 +7068,10 @@
               <a:rPr lang="en-US" dirty="0"/>
               <a:t> Desktop</a:t>
             </a:r>
+            <a:r>
+              <a:rPr lang="en-US" baseline="30000" dirty="0"/>
+              <a:t>1</a:t>
+            </a:r>
           </a:p>
           <a:p>
             <a:pPr lvl="1"/>
@@ -7066,13 +7097,12 @@
           <a:p>
             <a:r>
               <a:rPr lang="en-US" dirty="0"/>
-              <a:t>R and </a:t>
-            </a:r>
-            <a:r>
-              <a:rPr lang="en-US" dirty="0" err="1"/>
-              <a:t>Rstudio</a:t>
-            </a:r>
-            <a:endParaRPr lang="en-US" dirty="0"/>
+              <a:t>R and Rstudio</a:t>
+            </a:r>
+            <a:r>
+              <a:rPr lang="en-US" baseline="30000" dirty="0"/>
+              <a:t>1</a:t>
+            </a:r>
           </a:p>
           <a:p>
             <a:pPr lvl="1"/>
@@ -7086,6 +7116,34 @@
             <a:r>
               <a:rPr lang="en-US" dirty="0"/>
               <a:t>Data analysis</a:t>
+            </a:r>
+          </a:p>
+        </p:txBody>
+      </p:sp>
+      <p:sp>
+        <p:nvSpPr>
+          <p:cNvPr id="4" name="Footer Placeholder 3">
+            <a:extLst>
+              <a:ext uri="{FF2B5EF4-FFF2-40B4-BE49-F238E27FC236}">
+                <a16:creationId xmlns:a16="http://schemas.microsoft.com/office/drawing/2014/main" id="{75AB93CC-1E1E-FCA1-1DC3-CE42F8CB3B99}"/>
+              </a:ext>
+            </a:extLst>
+          </p:cNvPr>
+          <p:cNvSpPr>
+            <a:spLocks noGrp="1"/>
+          </p:cNvSpPr>
+          <p:nvPr>
+            <p:ph type="ftr" sz="quarter" idx="11"/>
+          </p:nvPr>
+        </p:nvSpPr>
+        <p:spPr/>
+        <p:txBody>
+          <a:bodyPr/>
+          <a:lstStyle/>
+          <a:p>
+            <a:r>
+              <a:rPr lang="en-US" dirty="0"/>
+              <a:t>1: If you are familiar enough with Git and R to use alternatives (e.g., command line Git or a different R IDE) you can use whatever you want. If you aren’t already familiar with Git and R, these will make using Git and R simpler.</a:t>
             </a:r>
           </a:p>
         </p:txBody>
@@ -7103,7 +7161,7 @@
 </p:sld>
 </file>
 
-<file path=ppt/slides/slide4.xml><?xml version="1.0" encoding="utf-8"?>
+<file path=ppt/slides/slide3.xml><?xml version="1.0" encoding="utf-8"?>
 <p:sld xmlns:a="http://schemas.openxmlformats.org/drawingml/2006/main" xmlns:r="http://schemas.openxmlformats.org/officeDocument/2006/relationships" xmlns:p="http://schemas.openxmlformats.org/presentationml/2006/main">
   <p:cSld>
     <p:bg>
@@ -7302,7 +7360,7 @@
 </p:sld>
 </file>
 
-<file path=ppt/slides/slide5.xml><?xml version="1.0" encoding="utf-8"?>
+<file path=ppt/slides/slide4.xml><?xml version="1.0" encoding="utf-8"?>
 <p:sld xmlns:a="http://schemas.openxmlformats.org/drawingml/2006/main" xmlns:r="http://schemas.openxmlformats.org/officeDocument/2006/relationships" xmlns:p="http://schemas.openxmlformats.org/presentationml/2006/main">
   <p:cSld>
     <p:bg>
@@ -7516,7 +7574,7 @@
 </p:sld>
 </file>
 
-<file path=ppt/slides/slide6.xml><?xml version="1.0" encoding="utf-8"?>
+<file path=ppt/slides/slide5.xml><?xml version="1.0" encoding="utf-8"?>
 <p:sld xmlns:a="http://schemas.openxmlformats.org/drawingml/2006/main" xmlns:r="http://schemas.openxmlformats.org/officeDocument/2006/relationships" xmlns:p="http://schemas.openxmlformats.org/presentationml/2006/main">
   <p:cSld>
     <p:bg>
@@ -7746,7 +7804,7 @@
 </p:sld>
 </file>
 
-<file path=ppt/slides/slide7.xml><?xml version="1.0" encoding="utf-8"?>
+<file path=ppt/slides/slide6.xml><?xml version="1.0" encoding="utf-8"?>
 <p:sld xmlns:a="http://schemas.openxmlformats.org/drawingml/2006/main" xmlns:r="http://schemas.openxmlformats.org/officeDocument/2006/relationships" xmlns:p="http://schemas.openxmlformats.org/presentationml/2006/main">
   <p:cSld>
     <p:spTree>
@@ -7892,7 +7950,7 @@
 </p:sld>
 </file>
 
-<file path=ppt/slides/slide8.xml><?xml version="1.0" encoding="utf-8"?>
+<file path=ppt/slides/slide7.xml><?xml version="1.0" encoding="utf-8"?>
 <p:sld xmlns:a="http://schemas.openxmlformats.org/drawingml/2006/main" xmlns:r="http://schemas.openxmlformats.org/officeDocument/2006/relationships" xmlns:p="http://schemas.openxmlformats.org/presentationml/2006/main">
   <p:cSld>
     <p:bg>
@@ -8078,7 +8136,7 @@
 </p:sld>
 </file>
 
-<file path=ppt/slides/slide9.xml><?xml version="1.0" encoding="utf-8"?>
+<file path=ppt/slides/slide8.xml><?xml version="1.0" encoding="utf-8"?>
 <p:sld xmlns:a="http://schemas.openxmlformats.org/drawingml/2006/main" xmlns:r="http://schemas.openxmlformats.org/officeDocument/2006/relationships" xmlns:p="http://schemas.openxmlformats.org/presentationml/2006/main">
   <p:cSld>
     <p:bg>
@@ -8262,6 +8320,208 @@
     <p:extLst>
       <p:ext uri="{BB962C8B-B14F-4D97-AF65-F5344CB8AC3E}">
         <p14:creationId xmlns:p14="http://schemas.microsoft.com/office/powerpoint/2010/main" val="162112733"/>
+      </p:ext>
+    </p:extLst>
+  </p:cSld>
+  <p:clrMapOvr>
+    <a:masterClrMapping/>
+  </p:clrMapOvr>
+</p:sld>
+</file>
+
+<file path=ppt/slides/slide9.xml><?xml version="1.0" encoding="utf-8"?>
+<p:sld xmlns:a="http://schemas.openxmlformats.org/drawingml/2006/main" xmlns:r="http://schemas.openxmlformats.org/officeDocument/2006/relationships" xmlns:p="http://schemas.openxmlformats.org/presentationml/2006/main">
+  <p:cSld>
+    <p:bg>
+      <p:bgPr>
+        <a:solidFill>
+          <a:schemeClr val="bg2"/>
+        </a:solidFill>
+        <a:effectLst/>
+      </p:bgPr>
+    </p:bg>
+    <p:spTree>
+      <p:nvGrpSpPr>
+        <p:cNvPr id="1" name=""/>
+        <p:cNvGrpSpPr/>
+        <p:nvPr/>
+      </p:nvGrpSpPr>
+      <p:grpSpPr>
+        <a:xfrm>
+          <a:off x="0" y="0"/>
+          <a:ext cx="0" cy="0"/>
+          <a:chOff x="0" y="0"/>
+          <a:chExt cx="0" cy="0"/>
+        </a:xfrm>
+      </p:grpSpPr>
+      <p:pic>
+        <p:nvPicPr>
+          <p:cNvPr id="5122" name="Picture 2" descr="RStudio | DigitalOcean Marketplace 1-Click App">
+            <a:extLst>
+              <a:ext uri="{FF2B5EF4-FFF2-40B4-BE49-F238E27FC236}">
+                <a16:creationId xmlns:a16="http://schemas.microsoft.com/office/drawing/2014/main" id="{4258FB78-820E-3173-33C9-F44A4E40C25A}"/>
+              </a:ext>
+            </a:extLst>
+          </p:cNvPr>
+          <p:cNvPicPr>
+            <a:picLocks noChangeAspect="1" noChangeArrowheads="1"/>
+          </p:cNvPicPr>
+          <p:nvPr/>
+        </p:nvPicPr>
+        <p:blipFill>
+          <a:blip r:embed="rId2">
+            <a:extLst>
+              <a:ext uri="{28A0092B-C50C-407E-A947-70E740481C1C}">
+                <a14:useLocalDpi xmlns:a14="http://schemas.microsoft.com/office/drawing/2010/main" val="0"/>
+              </a:ext>
+            </a:extLst>
+          </a:blip>
+          <a:srcRect/>
+          <a:stretch>
+            <a:fillRect/>
+          </a:stretch>
+        </p:blipFill>
+        <p:spPr bwMode="auto">
+          <a:xfrm>
+            <a:off x="8459035" y="2828041"/>
+            <a:ext cx="2914252" cy="2938708"/>
+          </a:xfrm>
+          <a:prstGeom prst="rect">
+            <a:avLst/>
+          </a:prstGeom>
+          <a:noFill/>
+          <a:extLst>
+            <a:ext uri="{909E8E84-426E-40DD-AFC4-6F175D3DCCD1}">
+              <a14:hiddenFill xmlns:a14="http://schemas.microsoft.com/office/drawing/2010/main">
+                <a:solidFill>
+                  <a:srgbClr val="FFFFFF"/>
+                </a:solidFill>
+              </a14:hiddenFill>
+            </a:ext>
+          </a:extLst>
+        </p:spPr>
+      </p:pic>
+      <p:sp>
+        <p:nvSpPr>
+          <p:cNvPr id="2" name="Title 1">
+            <a:extLst>
+              <a:ext uri="{FF2B5EF4-FFF2-40B4-BE49-F238E27FC236}">
+                <a16:creationId xmlns:a16="http://schemas.microsoft.com/office/drawing/2014/main" id="{F625DD6D-63BE-449E-7910-B84CE3F677BE}"/>
+              </a:ext>
+            </a:extLst>
+          </p:cNvPr>
+          <p:cNvSpPr>
+            <a:spLocks noGrp="1"/>
+          </p:cNvSpPr>
+          <p:nvPr>
+            <p:ph type="title"/>
+          </p:nvPr>
+        </p:nvSpPr>
+        <p:spPr>
+          <a:xfrm>
+            <a:off x="810000" y="447188"/>
+            <a:ext cx="10571998" cy="970450"/>
+          </a:xfrm>
+        </p:spPr>
+        <p:txBody>
+          <a:bodyPr>
+            <a:normAutofit/>
+          </a:bodyPr>
+          <a:lstStyle/>
+          <a:p>
+            <a:r>
+              <a:rPr lang="en-US" dirty="0"/>
+              <a:t>R and RStudio</a:t>
+            </a:r>
+          </a:p>
+        </p:txBody>
+      </p:sp>
+      <p:sp>
+        <p:nvSpPr>
+          <p:cNvPr id="3" name="Content Placeholder 2">
+            <a:extLst>
+              <a:ext uri="{FF2B5EF4-FFF2-40B4-BE49-F238E27FC236}">
+                <a16:creationId xmlns:a16="http://schemas.microsoft.com/office/drawing/2014/main" id="{9B4E437D-FCA7-7B80-8DA4-C04B07E9E7B9}"/>
+              </a:ext>
+            </a:extLst>
+          </p:cNvPr>
+          <p:cNvSpPr>
+            <a:spLocks noGrp="1"/>
+          </p:cNvSpPr>
+          <p:nvPr>
+            <p:ph idx="1"/>
+          </p:nvPr>
+        </p:nvSpPr>
+        <p:spPr>
+          <a:xfrm>
+            <a:off x="818713" y="2413000"/>
+            <a:ext cx="7199220" cy="3632200"/>
+          </a:xfrm>
+        </p:spPr>
+        <p:txBody>
+          <a:bodyPr>
+            <a:normAutofit lnSpcReduction="10000"/>
+          </a:bodyPr>
+          <a:lstStyle/>
+          <a:p>
+            <a:endParaRPr lang="en-US" dirty="0"/>
+          </a:p>
+          <a:p>
+            <a:r>
+              <a:rPr lang="en-US" dirty="0" err="1"/>
+              <a:t>Rstudio</a:t>
+            </a:r>
+            <a:endParaRPr lang="en-US" dirty="0"/>
+          </a:p>
+          <a:p>
+            <a:pPr lvl="1"/>
+            <a:r>
+              <a:rPr lang="en-US" dirty="0"/>
+              <a:t>Development environment for R</a:t>
+            </a:r>
+          </a:p>
+          <a:p>
+            <a:pPr lvl="1"/>
+            <a:r>
+              <a:rPr lang="en-US" dirty="0"/>
+              <a:t>This is the most common environment for using R</a:t>
+            </a:r>
+          </a:p>
+          <a:p>
+            <a:pPr lvl="1"/>
+            <a:endParaRPr lang="en-US" dirty="0"/>
+          </a:p>
+          <a:p>
+            <a:r>
+              <a:rPr lang="en-US" dirty="0"/>
+              <a:t>We will use this to write, manage, run, and interpret our R code</a:t>
+            </a:r>
+          </a:p>
+          <a:p>
+            <a:endParaRPr lang="en-US" dirty="0"/>
+          </a:p>
+          <a:p>
+            <a:r>
+              <a:rPr lang="en-US" dirty="0"/>
+              <a:t>If you’re already familiar with an R compatible IDE (e.g., VS Code) feel free to use it</a:t>
+            </a:r>
+          </a:p>
+          <a:p>
+            <a:endParaRPr lang="en-US" dirty="0"/>
+          </a:p>
+          <a:p>
+            <a:pPr lvl="1"/>
+            <a:endParaRPr lang="en-US" dirty="0"/>
+          </a:p>
+          <a:p>
+            <a:endParaRPr lang="en-US" dirty="0"/>
+          </a:p>
+        </p:txBody>
+      </p:sp>
+    </p:spTree>
+    <p:extLst>
+      <p:ext uri="{BB962C8B-B14F-4D97-AF65-F5344CB8AC3E}">
+        <p14:creationId xmlns:p14="http://schemas.microsoft.com/office/powerpoint/2010/main" val="4068023223"/>
       </p:ext>
     </p:extLst>
   </p:cSld>
@@ -8506,4 +8766,319 @@
     </a:ext>
   </a:extLst>
 </a:theme>
+</file>
+
+<file path=ppt/theme/theme2.xml><?xml version="1.0" encoding="utf-8"?>
+<a:theme xmlns:a="http://schemas.openxmlformats.org/drawingml/2006/main" name="Office Theme">
+  <a:themeElements>
+    <a:clrScheme name="Office">
+      <a:dk1>
+        <a:sysClr val="windowText" lastClr="000000"/>
+      </a:dk1>
+      <a:lt1>
+        <a:sysClr val="window" lastClr="FFFFFF"/>
+      </a:lt1>
+      <a:dk2>
+        <a:srgbClr val="0E2841"/>
+      </a:dk2>
+      <a:lt2>
+        <a:srgbClr val="E8E8E8"/>
+      </a:lt2>
+      <a:accent1>
+        <a:srgbClr val="156082"/>
+      </a:accent1>
+      <a:accent2>
+        <a:srgbClr val="E97132"/>
+      </a:accent2>
+      <a:accent3>
+        <a:srgbClr val="196B24"/>
+      </a:accent3>
+      <a:accent4>
+        <a:srgbClr val="0F9ED5"/>
+      </a:accent4>
+      <a:accent5>
+        <a:srgbClr val="A02B93"/>
+      </a:accent5>
+      <a:accent6>
+        <a:srgbClr val="4EA72E"/>
+      </a:accent6>
+      <a:hlink>
+        <a:srgbClr val="467886"/>
+      </a:hlink>
+      <a:folHlink>
+        <a:srgbClr val="96607D"/>
+      </a:folHlink>
+    </a:clrScheme>
+    <a:fontScheme name="Office">
+      <a:majorFont>
+        <a:latin typeface="Aptos Display" panose="02110004020202020204"/>
+        <a:ea typeface=""/>
+        <a:cs typeface=""/>
+        <a:font script="Jpan" typeface="游ゴシック Light"/>
+        <a:font script="Hang" typeface="맑은 고딕"/>
+        <a:font script="Hans" typeface="等线 Light"/>
+        <a:font script="Hant" typeface="新細明體"/>
+        <a:font script="Arab" typeface="Times New Roman"/>
+        <a:font script="Hebr" typeface="Times New Roman"/>
+        <a:font script="Thai" typeface="Angsana New"/>
+        <a:font script="Ethi" typeface="Nyala"/>
+        <a:font script="Beng" typeface="Vrinda"/>
+        <a:font script="Gujr" typeface="Shruti"/>
+        <a:font script="Khmr" typeface="MoolBoran"/>
+        <a:font script="Knda" typeface="Tunga"/>
+        <a:font script="Guru" typeface="Raavi"/>
+        <a:font script="Cans" typeface="Euphemia"/>
+        <a:font script="Cher" typeface="Plantagenet Cherokee"/>
+        <a:font script="Yiii" typeface="Microsoft Yi Baiti"/>
+        <a:font script="Tibt" typeface="Microsoft Himalaya"/>
+        <a:font script="Thaa" typeface="MV Boli"/>
+        <a:font script="Deva" typeface="Mangal"/>
+        <a:font script="Telu" typeface="Gautami"/>
+        <a:font script="Taml" typeface="Latha"/>
+        <a:font script="Syrc" typeface="Estrangelo Edessa"/>
+        <a:font script="Orya" typeface="Kalinga"/>
+        <a:font script="Mlym" typeface="Kartika"/>
+        <a:font script="Laoo" typeface="DokChampa"/>
+        <a:font script="Sinh" typeface="Iskoola Pota"/>
+        <a:font script="Mong" typeface="Mongolian Baiti"/>
+        <a:font script="Viet" typeface="Times New Roman"/>
+        <a:font script="Uigh" typeface="Microsoft Uighur"/>
+        <a:font script="Geor" typeface="Sylfaen"/>
+        <a:font script="Armn" typeface="Arial"/>
+        <a:font script="Bugi" typeface="Leelawadee UI"/>
+        <a:font script="Bopo" typeface="Microsoft JhengHei"/>
+        <a:font script="Java" typeface="Javanese Text"/>
+        <a:font script="Lisu" typeface="Segoe UI"/>
+        <a:font script="Mymr" typeface="Myanmar Text"/>
+        <a:font script="Nkoo" typeface="Ebrima"/>
+        <a:font script="Olck" typeface="Nirmala UI"/>
+        <a:font script="Osma" typeface="Ebrima"/>
+        <a:font script="Phag" typeface="Phagspa"/>
+        <a:font script="Syrn" typeface="Estrangelo Edessa"/>
+        <a:font script="Syrj" typeface="Estrangelo Edessa"/>
+        <a:font script="Syre" typeface="Estrangelo Edessa"/>
+        <a:font script="Sora" typeface="Nirmala UI"/>
+        <a:font script="Tale" typeface="Microsoft Tai Le"/>
+        <a:font script="Talu" typeface="Microsoft New Tai Lue"/>
+        <a:font script="Tfng" typeface="Ebrima"/>
+      </a:majorFont>
+      <a:minorFont>
+        <a:latin typeface="Aptos" panose="02110004020202020204"/>
+        <a:ea typeface=""/>
+        <a:cs typeface=""/>
+        <a:font script="Jpan" typeface="游ゴシック"/>
+        <a:font script="Hang" typeface="맑은 고딕"/>
+        <a:font script="Hans" typeface="等线"/>
+        <a:font script="Hant" typeface="新細明體"/>
+        <a:font script="Arab" typeface="Arial"/>
+        <a:font script="Hebr" typeface="Arial"/>
+        <a:font script="Thai" typeface="Cordia New"/>
+        <a:font script="Ethi" typeface="Nyala"/>
+        <a:font script="Beng" typeface="Vrinda"/>
+        <a:font script="Gujr" typeface="Shruti"/>
+        <a:font script="Khmr" typeface="DaunPenh"/>
+        <a:font script="Knda" typeface="Tunga"/>
+        <a:font script="Guru" typeface="Raavi"/>
+        <a:font script="Cans" typeface="Euphemia"/>
+        <a:font script="Cher" typeface="Plantagenet Cherokee"/>
+        <a:font script="Yiii" typeface="Microsoft Yi Baiti"/>
+        <a:font script="Tibt" typeface="Microsoft Himalaya"/>
+        <a:font script="Thaa" typeface="MV Boli"/>
+        <a:font script="Deva" typeface="Mangal"/>
+        <a:font script="Telu" typeface="Gautami"/>
+        <a:font script="Taml" typeface="Latha"/>
+        <a:font script="Syrc" typeface="Estrangelo Edessa"/>
+        <a:font script="Orya" typeface="Kalinga"/>
+        <a:font script="Mlym" typeface="Kartika"/>
+        <a:font script="Laoo" typeface="DokChampa"/>
+        <a:font script="Sinh" typeface="Iskoola Pota"/>
+        <a:font script="Mong" typeface="Mongolian Baiti"/>
+        <a:font script="Viet" typeface="Arial"/>
+        <a:font script="Uigh" typeface="Microsoft Uighur"/>
+        <a:font script="Geor" typeface="Sylfaen"/>
+        <a:font script="Armn" typeface="Arial"/>
+        <a:font script="Bugi" typeface="Leelawadee UI"/>
+        <a:font script="Bopo" typeface="Microsoft JhengHei"/>
+        <a:font script="Java" typeface="Javanese Text"/>
+        <a:font script="Lisu" typeface="Segoe UI"/>
+        <a:font script="Mymr" typeface="Myanmar Text"/>
+        <a:font script="Nkoo" typeface="Ebrima"/>
+        <a:font script="Olck" typeface="Nirmala UI"/>
+        <a:font script="Osma" typeface="Ebrima"/>
+        <a:font script="Phag" typeface="Phagspa"/>
+        <a:font script="Syrn" typeface="Estrangelo Edessa"/>
+        <a:font script="Syrj" typeface="Estrangelo Edessa"/>
+        <a:font script="Syre" typeface="Estrangelo Edessa"/>
+        <a:font script="Sora" typeface="Nirmala UI"/>
+        <a:font script="Tale" typeface="Microsoft Tai Le"/>
+        <a:font script="Talu" typeface="Microsoft New Tai Lue"/>
+        <a:font script="Tfng" typeface="Ebrima"/>
+      </a:minorFont>
+    </a:fontScheme>
+    <a:fmtScheme name="Office">
+      <a:fillStyleLst>
+        <a:solidFill>
+          <a:schemeClr val="phClr"/>
+        </a:solidFill>
+        <a:gradFill rotWithShape="1">
+          <a:gsLst>
+            <a:gs pos="0">
+              <a:schemeClr val="phClr">
+                <a:lumMod val="110000"/>
+                <a:satMod val="105000"/>
+                <a:tint val="67000"/>
+              </a:schemeClr>
+            </a:gs>
+            <a:gs pos="50000">
+              <a:schemeClr val="phClr">
+                <a:lumMod val="105000"/>
+                <a:satMod val="103000"/>
+                <a:tint val="73000"/>
+              </a:schemeClr>
+            </a:gs>
+            <a:gs pos="100000">
+              <a:schemeClr val="phClr">
+                <a:lumMod val="105000"/>
+                <a:satMod val="109000"/>
+                <a:tint val="81000"/>
+              </a:schemeClr>
+            </a:gs>
+          </a:gsLst>
+          <a:lin ang="5400000" scaled="0"/>
+        </a:gradFill>
+        <a:gradFill rotWithShape="1">
+          <a:gsLst>
+            <a:gs pos="0">
+              <a:schemeClr val="phClr">
+                <a:satMod val="103000"/>
+                <a:lumMod val="102000"/>
+                <a:tint val="94000"/>
+              </a:schemeClr>
+            </a:gs>
+            <a:gs pos="50000">
+              <a:schemeClr val="phClr">
+                <a:satMod val="110000"/>
+                <a:lumMod val="100000"/>
+                <a:shade val="100000"/>
+              </a:schemeClr>
+            </a:gs>
+            <a:gs pos="100000">
+              <a:schemeClr val="phClr">
+                <a:lumMod val="99000"/>
+                <a:satMod val="120000"/>
+                <a:shade val="78000"/>
+              </a:schemeClr>
+            </a:gs>
+          </a:gsLst>
+          <a:lin ang="5400000" scaled="0"/>
+        </a:gradFill>
+      </a:fillStyleLst>
+      <a:lnStyleLst>
+        <a:ln w="12700" cap="flat" cmpd="sng" algn="ctr">
+          <a:solidFill>
+            <a:schemeClr val="phClr"/>
+          </a:solidFill>
+          <a:prstDash val="solid"/>
+          <a:miter lim="800000"/>
+        </a:ln>
+        <a:ln w="19050" cap="flat" cmpd="sng" algn="ctr">
+          <a:solidFill>
+            <a:schemeClr val="phClr"/>
+          </a:solidFill>
+          <a:prstDash val="solid"/>
+          <a:miter lim="800000"/>
+        </a:ln>
+        <a:ln w="25400" cap="flat" cmpd="sng" algn="ctr">
+          <a:solidFill>
+            <a:schemeClr val="phClr"/>
+          </a:solidFill>
+          <a:prstDash val="solid"/>
+          <a:miter lim="800000"/>
+        </a:ln>
+      </a:lnStyleLst>
+      <a:effectStyleLst>
+        <a:effectStyle>
+          <a:effectLst/>
+        </a:effectStyle>
+        <a:effectStyle>
+          <a:effectLst/>
+        </a:effectStyle>
+        <a:effectStyle>
+          <a:effectLst>
+            <a:outerShdw blurRad="57150" dist="19050" dir="5400000" algn="ctr" rotWithShape="0">
+              <a:srgbClr val="000000">
+                <a:alpha val="63000"/>
+              </a:srgbClr>
+            </a:outerShdw>
+          </a:effectLst>
+        </a:effectStyle>
+      </a:effectStyleLst>
+      <a:bgFillStyleLst>
+        <a:solidFill>
+          <a:schemeClr val="phClr"/>
+        </a:solidFill>
+        <a:solidFill>
+          <a:schemeClr val="phClr">
+            <a:tint val="95000"/>
+            <a:satMod val="170000"/>
+          </a:schemeClr>
+        </a:solidFill>
+        <a:gradFill rotWithShape="1">
+          <a:gsLst>
+            <a:gs pos="0">
+              <a:schemeClr val="phClr">
+                <a:tint val="93000"/>
+                <a:satMod val="150000"/>
+                <a:shade val="98000"/>
+                <a:lumMod val="102000"/>
+              </a:schemeClr>
+            </a:gs>
+            <a:gs pos="50000">
+              <a:schemeClr val="phClr">
+                <a:tint val="98000"/>
+                <a:satMod val="130000"/>
+                <a:shade val="90000"/>
+                <a:lumMod val="103000"/>
+              </a:schemeClr>
+            </a:gs>
+            <a:gs pos="100000">
+              <a:schemeClr val="phClr">
+                <a:shade val="63000"/>
+                <a:satMod val="120000"/>
+              </a:schemeClr>
+            </a:gs>
+          </a:gsLst>
+          <a:lin ang="5400000" scaled="0"/>
+        </a:gradFill>
+      </a:bgFillStyleLst>
+    </a:fmtScheme>
+  </a:themeElements>
+  <a:objectDefaults>
+    <a:lnDef>
+      <a:spPr/>
+      <a:bodyPr/>
+      <a:lstStyle/>
+      <a:style>
+        <a:lnRef idx="2">
+          <a:schemeClr val="accent1"/>
+        </a:lnRef>
+        <a:fillRef idx="0">
+          <a:schemeClr val="accent1"/>
+        </a:fillRef>
+        <a:effectRef idx="1">
+          <a:schemeClr val="accent1"/>
+        </a:effectRef>
+        <a:fontRef idx="minor">
+          <a:schemeClr val="tx1"/>
+        </a:fontRef>
+      </a:style>
+    </a:lnDef>
+  </a:objectDefaults>
+  <a:extraClrSchemeLst/>
+  <a:extLst>
+    <a:ext uri="{05A4C25C-085E-4340-85A3-A5531E510DB2}">
+      <thm15:themeFamily xmlns:thm15="http://schemas.microsoft.com/office/thememl/2012/main" name="Office Theme" id="{2E142A2C-CD16-42D6-873A-C26D2A0506FA}" vid="{1BDDFF52-6CD6-40A5-AB3C-68EB2F1E4D0A}"/>
+    </a:ext>
+  </a:extLst>
+</a:theme>
 </file>